--- a/CodeChallengeTechnicalPresentation.pptx
+++ b/CodeChallengeTechnicalPresentation.pptx
@@ -5,7 +5,7 @@
     <p:sldMasterId id="2147483696" r:id="rId1"/>
   </p:sldMasterIdLst>
   <p:notesMasterIdLst>
-    <p:notesMasterId r:id="rId10"/>
+    <p:notesMasterId r:id="rId9"/>
   </p:notesMasterIdLst>
   <p:sldIdLst>
     <p:sldId id="256" r:id="rId2"/>
@@ -15,7 +15,6 @@
     <p:sldId id="261" r:id="rId6"/>
     <p:sldId id="262" r:id="rId7"/>
     <p:sldId id="259" r:id="rId8"/>
-    <p:sldId id="260" r:id="rId9"/>
   </p:sldIdLst>
   <p:sldSz cx="12192000" cy="6858000"/>
   <p:notesSz cx="6858000" cy="9144000"/>
@@ -3975,10 +3974,10 @@
           <p:cNvPr id="9" name="Rectangle 8">
             <a:extLst>
               <a:ext uri="{FF2B5EF4-FFF2-40B4-BE49-F238E27FC236}">
-                <a16:creationId xmlns="" xmlns:a16="http://schemas.microsoft.com/office/drawing/2014/main" id="{3ED03601-4724-4293-A32A-3A0879C5D491}"/>
+                <a16:creationId xmlns:a16="http://schemas.microsoft.com/office/drawing/2014/main" xmlns="" id="{3ED03601-4724-4293-A32A-3A0879C5D491}"/>
               </a:ext>
               <a:ext uri="{C183D7F6-B498-43B3-948B-1728B52AA6E4}">
-                <adec:decorative xmlns="" xmlns:adec="http://schemas.microsoft.com/office/drawing/2017/decorative" val="1"/>
+                <adec:decorative xmlns:adec="http://schemas.microsoft.com/office/drawing/2017/decorative" xmlns="" val="1"/>
               </a:ext>
             </a:extLst>
           </p:cNvPr>
@@ -4035,10 +4034,10 @@
           <p:cNvPr id="11" name="Rectangle 10">
             <a:extLst>
               <a:ext uri="{FF2B5EF4-FFF2-40B4-BE49-F238E27FC236}">
-                <a16:creationId xmlns="" xmlns:a16="http://schemas.microsoft.com/office/drawing/2014/main" id="{5E433AC3-E189-483B-9E8C-DFD5D2A18641}"/>
+                <a16:creationId xmlns:a16="http://schemas.microsoft.com/office/drawing/2014/main" xmlns="" id="{5E433AC3-E189-483B-9E8C-DFD5D2A18641}"/>
               </a:ext>
               <a:ext uri="{C183D7F6-B498-43B3-948B-1728B52AA6E4}">
-                <adec:decorative xmlns="" xmlns:adec="http://schemas.microsoft.com/office/drawing/2017/decorative" val="1"/>
+                <adec:decorative xmlns:adec="http://schemas.microsoft.com/office/drawing/2017/decorative" xmlns="" val="1"/>
               </a:ext>
             </a:extLst>
           </p:cNvPr>
@@ -4234,10 +4233,10 @@
           <p:cNvPr id="8" name="Rectangle 7">
             <a:extLst>
               <a:ext uri="{FF2B5EF4-FFF2-40B4-BE49-F238E27FC236}">
-                <a16:creationId xmlns="" xmlns:a16="http://schemas.microsoft.com/office/drawing/2014/main" id="{FB403EBD-907E-4D59-98D4-A72CD1063C62}"/>
+                <a16:creationId xmlns:a16="http://schemas.microsoft.com/office/drawing/2014/main" xmlns="" id="{FB403EBD-907E-4D59-98D4-A72CD1063C62}"/>
               </a:ext>
               <a:ext uri="{C183D7F6-B498-43B3-948B-1728B52AA6E4}">
-                <adec:decorative xmlns="" xmlns:adec="http://schemas.microsoft.com/office/drawing/2017/decorative" val="1"/>
+                <adec:decorative xmlns:adec="http://schemas.microsoft.com/office/drawing/2017/decorative" xmlns="" val="1"/>
               </a:ext>
             </a:extLst>
           </p:cNvPr>
@@ -4438,15 +4437,7 @@
                   <a:schemeClr val="bg1"/>
                 </a:solidFill>
               </a:rPr>
-              <a:t> Database as the target area the aggregated data should land. </a:t>
-            </a:r>
-            <a:r>
-              <a:rPr lang="en-US" dirty="0" smtClean="0">
-                <a:solidFill>
-                  <a:schemeClr val="bg1"/>
-                </a:solidFill>
-              </a:rPr>
-              <a:t> </a:t>
+              <a:t> Database as the target area the aggregated data should land.  </a:t>
             </a:r>
             <a:endParaRPr lang="en-US" dirty="0">
               <a:solidFill>
@@ -4499,10 +4490,10 @@
           <p:cNvPr id="17" name="Rectangle 16">
             <a:extLst>
               <a:ext uri="{FF2B5EF4-FFF2-40B4-BE49-F238E27FC236}">
-                <a16:creationId xmlns:a16="http://schemas.microsoft.com/office/drawing/2014/main" xmlns="" id="{C33976D1-3430-450C-A978-87A9A6E8E71F}"/>
+                <a16:creationId xmlns="" xmlns:a16="http://schemas.microsoft.com/office/drawing/2014/main" id="{C33976D1-3430-450C-A978-87A9A6E8E71F}"/>
               </a:ext>
               <a:ext uri="{C183D7F6-B498-43B3-948B-1728B52AA6E4}">
-                <adec:decorative xmlns:adec="http://schemas.microsoft.com/office/drawing/2017/decorative" xmlns="" val="1"/>
+                <adec:decorative xmlns="" xmlns:adec="http://schemas.microsoft.com/office/drawing/2017/decorative" val="1"/>
               </a:ext>
             </a:extLst>
           </p:cNvPr>
@@ -4562,10 +4553,10 @@
           <p:cNvPr id="19" name="Rectangle 18">
             <a:extLst>
               <a:ext uri="{FF2B5EF4-FFF2-40B4-BE49-F238E27FC236}">
-                <a16:creationId xmlns:a16="http://schemas.microsoft.com/office/drawing/2014/main" xmlns="" id="{7D6AAC78-7D86-415A-ADC1-2B474807960C}"/>
+                <a16:creationId xmlns="" xmlns:a16="http://schemas.microsoft.com/office/drawing/2014/main" id="{7D6AAC78-7D86-415A-ADC1-2B474807960C}"/>
               </a:ext>
               <a:ext uri="{C183D7F6-B498-43B3-948B-1728B52AA6E4}">
-                <adec:decorative xmlns:adec="http://schemas.microsoft.com/office/drawing/2017/decorative" xmlns="" val="1"/>
+                <adec:decorative xmlns="" xmlns:adec="http://schemas.microsoft.com/office/drawing/2017/decorative" val="1"/>
               </a:ext>
             </a:extLst>
           </p:cNvPr>
@@ -4625,10 +4616,10 @@
           <p:cNvPr id="21" name="Rectangle 20">
             <a:extLst>
               <a:ext uri="{FF2B5EF4-FFF2-40B4-BE49-F238E27FC236}">
-                <a16:creationId xmlns:a16="http://schemas.microsoft.com/office/drawing/2014/main" xmlns="" id="{F2A658D9-F185-44F1-BA33-D50320D1D078}"/>
+                <a16:creationId xmlns="" xmlns:a16="http://schemas.microsoft.com/office/drawing/2014/main" id="{F2A658D9-F185-44F1-BA33-D50320D1D078}"/>
               </a:ext>
               <a:ext uri="{C183D7F6-B498-43B3-948B-1728B52AA6E4}">
-                <adec:decorative xmlns:adec="http://schemas.microsoft.com/office/drawing/2017/decorative" xmlns="" val="1"/>
+                <adec:decorative xmlns="" xmlns:adec="http://schemas.microsoft.com/office/drawing/2017/decorative" val="1"/>
               </a:ext>
             </a:extLst>
           </p:cNvPr>
@@ -4807,10 +4798,10 @@
           <p:cNvPr id="17" name="Oval 16">
             <a:extLst>
               <a:ext uri="{FF2B5EF4-FFF2-40B4-BE49-F238E27FC236}">
-                <a16:creationId xmlns:a16="http://schemas.microsoft.com/office/drawing/2014/main" xmlns="" id="{BAC87F6E-526A-49B5-995D-42DB656594C9}"/>
+                <a16:creationId xmlns="" xmlns:a16="http://schemas.microsoft.com/office/drawing/2014/main" id="{BAC87F6E-526A-49B5-995D-42DB656594C9}"/>
               </a:ext>
               <a:ext uri="{C183D7F6-B498-43B3-948B-1728B52AA6E4}">
-                <adec:decorative xmlns:adec="http://schemas.microsoft.com/office/drawing/2017/decorative" xmlns="" val="1"/>
+                <adec:decorative xmlns="" xmlns:adec="http://schemas.microsoft.com/office/drawing/2017/decorative" val="1"/>
               </a:ext>
             </a:extLst>
           </p:cNvPr>
@@ -4914,10 +4905,10 @@
           <p:cNvPr id="19" name="Rectangle 18">
             <a:extLst>
               <a:ext uri="{FF2B5EF4-FFF2-40B4-BE49-F238E27FC236}">
-                <a16:creationId xmlns:a16="http://schemas.microsoft.com/office/drawing/2014/main" xmlns="" id="{5E5436DB-4E8B-43A5-AE55-1C527B62E203}"/>
+                <a16:creationId xmlns="" xmlns:a16="http://schemas.microsoft.com/office/drawing/2014/main" id="{5E5436DB-4E8B-43A5-AE55-1C527B62E203}"/>
               </a:ext>
               <a:ext uri="{C183D7F6-B498-43B3-948B-1728B52AA6E4}">
-                <adec:decorative xmlns:adec="http://schemas.microsoft.com/office/drawing/2017/decorative" xmlns="" val="1"/>
+                <adec:decorative xmlns="" xmlns:adec="http://schemas.microsoft.com/office/drawing/2017/decorative" val="1"/>
               </a:ext>
             </a:extLst>
           </p:cNvPr>
@@ -4978,10 +4969,10 @@
           <p:cNvPr id="21" name="Rectangle 20">
             <a:extLst>
               <a:ext uri="{FF2B5EF4-FFF2-40B4-BE49-F238E27FC236}">
-                <a16:creationId xmlns:a16="http://schemas.microsoft.com/office/drawing/2014/main" xmlns="" id="{0D65299F-028F-4AFC-B46A-8DB33E20FE4A}"/>
+                <a16:creationId xmlns="" xmlns:a16="http://schemas.microsoft.com/office/drawing/2014/main" id="{0D65299F-028F-4AFC-B46A-8DB33E20FE4A}"/>
               </a:ext>
               <a:ext uri="{C183D7F6-B498-43B3-948B-1728B52AA6E4}">
-                <adec:decorative xmlns:adec="http://schemas.microsoft.com/office/drawing/2017/decorative" xmlns="" val="1"/>
+                <adec:decorative xmlns="" xmlns:adec="http://schemas.microsoft.com/office/drawing/2017/decorative" val="1"/>
               </a:ext>
             </a:extLst>
           </p:cNvPr>
@@ -5100,78 +5091,6 @@
     <p:extLst>
       <p:ext uri="{BB962C8B-B14F-4D97-AF65-F5344CB8AC3E}">
         <p14:creationId xmlns:p14="http://schemas.microsoft.com/office/powerpoint/2010/main" val="4212282041"/>
-      </p:ext>
-    </p:extLst>
-  </p:cSld>
-  <p:clrMapOvr>
-    <a:masterClrMapping/>
-  </p:clrMapOvr>
-</p:sld>
-</file>
-
-<file path=ppt/slides/slide8.xml><?xml version="1.0" encoding="utf-8"?>
-<p:sld xmlns:a="http://schemas.openxmlformats.org/drawingml/2006/main" xmlns:r="http://schemas.openxmlformats.org/officeDocument/2006/relationships" xmlns:p="http://schemas.openxmlformats.org/presentationml/2006/main">
-  <p:cSld>
-    <p:spTree>
-      <p:nvGrpSpPr>
-        <p:cNvPr id="1" name=""/>
-        <p:cNvGrpSpPr/>
-        <p:nvPr/>
-      </p:nvGrpSpPr>
-      <p:grpSpPr>
-        <a:xfrm>
-          <a:off x="0" y="0"/>
-          <a:ext cx="0" cy="0"/>
-          <a:chOff x="0" y="0"/>
-          <a:chExt cx="0" cy="0"/>
-        </a:xfrm>
-      </p:grpSpPr>
-      <p:sp>
-        <p:nvSpPr>
-          <p:cNvPr id="2" name="Title 1"/>
-          <p:cNvSpPr>
-            <a:spLocks noGrp="1"/>
-          </p:cNvSpPr>
-          <p:nvPr>
-            <p:ph type="title"/>
-          </p:nvPr>
-        </p:nvSpPr>
-        <p:spPr/>
-        <p:txBody>
-          <a:bodyPr/>
-          <a:lstStyle/>
-          <a:p>
-            <a:r>
-              <a:rPr lang="en-US" dirty="0" smtClean="0"/>
-              <a:t>Conclusion</a:t>
-            </a:r>
-            <a:endParaRPr lang="en-US" dirty="0"/>
-          </a:p>
-        </p:txBody>
-      </p:sp>
-      <p:sp>
-        <p:nvSpPr>
-          <p:cNvPr id="3" name="Content Placeholder 2"/>
-          <p:cNvSpPr>
-            <a:spLocks noGrp="1"/>
-          </p:cNvSpPr>
-          <p:nvPr>
-            <p:ph idx="1"/>
-          </p:nvPr>
-        </p:nvSpPr>
-        <p:spPr/>
-        <p:txBody>
-          <a:bodyPr/>
-          <a:lstStyle/>
-          <a:p>
-            <a:endParaRPr lang="en-US"/>
-          </a:p>
-        </p:txBody>
-      </p:sp>
-    </p:spTree>
-    <p:extLst>
-      <p:ext uri="{BB962C8B-B14F-4D97-AF65-F5344CB8AC3E}">
-        <p14:creationId xmlns:p14="http://schemas.microsoft.com/office/powerpoint/2010/main" val="1462255835"/>
       </p:ext>
     </p:extLst>
   </p:cSld>
